--- a/CSE308-S19/Slides/PPT/Introduction to React.pptx
+++ b/CSE308-S19/Slides/PPT/Introduction to React.pptx
@@ -124,6 +124,11 @@
       </a:defRPr>
     </a:lvl9pPr>
   </p:defaultTextStyle>
+  <p:extLst>
+    <p:ext uri="{EFAFB233-063F-42B5-8137-9DF3F51BA10A}">
+      <p15:sldGuideLst xmlns:p15="http://schemas.microsoft.com/office/powerpoint/2012/main"/>
+    </p:ext>
+  </p:extLst>
 </p:presentation>
 </file>
 
@@ -532,7 +537,7 @@
           <a:p>
             <a:fld id="{D91B805F-FF0F-4BAA-A3A3-E4F945D687F8}" type="datetimeFigureOut">
               <a:rPr lang="en-US" dirty="0"/>
-              <a:t>3/2/2019</a:t>
+              <a:t>3/4/2019</a:t>
             </a:fld>
             <a:endParaRPr lang="en-US" dirty="0"/>
           </a:p>
@@ -707,7 +712,7 @@
           <a:p>
             <a:fld id="{780B5C51-60B3-48EF-AA78-DB950F30DBA2}" type="datetimeFigureOut">
               <a:rPr lang="en-US" dirty="0"/>
-              <a:t>3/2/2019</a:t>
+              <a:t>3/4/2019</a:t>
             </a:fld>
             <a:endParaRPr lang="en-US" dirty="0"/>
           </a:p>
@@ -882,7 +887,7 @@
           <a:p>
             <a:fld id="{C35D676B-6E73-4E3B-A9B3-4966DB9B52A5}" type="datetimeFigureOut">
               <a:rPr lang="en-US" dirty="0"/>
-              <a:t>3/2/2019</a:t>
+              <a:t>3/4/2019</a:t>
             </a:fld>
             <a:endParaRPr lang="en-US" dirty="0"/>
           </a:p>
@@ -1047,7 +1052,7 @@
           <a:p>
             <a:fld id="{2261F3A6-CC5D-4649-8527-DB0C21FDDFD9}" type="datetimeFigureOut">
               <a:rPr lang="en-US" dirty="0"/>
-              <a:t>3/2/2019</a:t>
+              <a:t>3/4/2019</a:t>
             </a:fld>
             <a:endParaRPr lang="en-US" dirty="0"/>
           </a:p>
@@ -1367,7 +1372,7 @@
           <a:p>
             <a:fld id="{5B6F927C-B73E-4F9D-ADFE-F6E23BD7CEE8}" type="datetimeFigureOut">
               <a:rPr lang="en-US" dirty="0"/>
-              <a:t>3/2/2019</a:t>
+              <a:t>3/4/2019</a:t>
             </a:fld>
             <a:endParaRPr lang="en-US" dirty="0"/>
           </a:p>
@@ -1759,7 +1764,7 @@
           <a:p>
             <a:fld id="{65B1FFFF-984A-4EE5-9BF2-EC9310C878F1}" type="datetimeFigureOut">
               <a:rPr lang="en-US" dirty="0"/>
-              <a:t>3/2/2019</a:t>
+              <a:t>3/4/2019</a:t>
             </a:fld>
             <a:endParaRPr lang="en-US" dirty="0"/>
           </a:p>
@@ -2188,7 +2193,7 @@
           <a:p>
             <a:fld id="{703271C1-B42E-4A60-A25F-0185B888604B}" type="datetimeFigureOut">
               <a:rPr lang="en-US" dirty="0"/>
-              <a:t>3/2/2019</a:t>
+              <a:t>3/4/2019</a:t>
             </a:fld>
             <a:endParaRPr lang="en-US" dirty="0"/>
           </a:p>
@@ -2301,7 +2306,7 @@
           <a:p>
             <a:fld id="{80416292-3725-4763-8973-4C59F0403D99}" type="datetimeFigureOut">
               <a:rPr lang="en-US" dirty="0"/>
-              <a:t>3/2/2019</a:t>
+              <a:t>3/4/2019</a:t>
             </a:fld>
             <a:endParaRPr lang="en-US" dirty="0"/>
           </a:p>
@@ -2391,7 +2396,7 @@
           <a:p>
             <a:fld id="{386996D1-8909-469F-911A-4C12C68BF5D9}" type="datetimeFigureOut">
               <a:rPr lang="en-US" dirty="0"/>
-              <a:t>3/2/2019</a:t>
+              <a:t>3/4/2019</a:t>
             </a:fld>
             <a:endParaRPr lang="en-US" dirty="0"/>
           </a:p>
@@ -2736,7 +2741,7 @@
           <a:p>
             <a:fld id="{E16A73BC-5D11-4675-B334-102E1E8C9B50}" type="datetimeFigureOut">
               <a:rPr lang="en-US" dirty="0"/>
-              <a:t>3/2/2019</a:t>
+              <a:t>3/4/2019</a:t>
             </a:fld>
             <a:endParaRPr lang="en-US" dirty="0"/>
           </a:p>
@@ -3166,7 +3171,7 @@
           <a:p>
             <a:fld id="{27B8E45F-652B-4E89-8925-000B0AB8FD98}" type="datetimeFigureOut">
               <a:rPr lang="en-US" dirty="0"/>
-              <a:t>3/2/2019</a:t>
+              <a:t>3/4/2019</a:t>
             </a:fld>
             <a:endParaRPr lang="en-US" dirty="0"/>
           </a:p>
@@ -3444,7 +3449,7 @@
           <a:p>
             <a:fld id="{C4A3462A-2D5B-48AF-A3D4-EF8A90A50A80}" type="datetimeFigureOut">
               <a:rPr lang="en-US" dirty="0"/>
-              <a:t>3/2/2019</a:t>
+              <a:t>3/4/2019</a:t>
             </a:fld>
             <a:endParaRPr lang="en-US" dirty="0"/>
           </a:p>
@@ -4965,13 +4970,8 @@
           <a:p>
             <a:r>
               <a:rPr lang="en-US" dirty="0"/>
-              <a:t>Detecting changes in the immutable objects is </a:t>
-            </a:r>
-            <a:r>
-              <a:rPr lang="en-US" dirty="0" err="1"/>
-              <a:t>rasier</a:t>
-            </a:r>
-            <a:endParaRPr lang="en-US" dirty="0"/>
+              <a:t>Detecting changes in the immutable objects is easier</a:t>
+            </a:r>
           </a:p>
         </p:txBody>
       </p:sp>
@@ -5853,7 +5853,7 @@
             </a:r>
             <a:r>
               <a:rPr lang="en-US" dirty="0"/>
-              <a:t> create-react-app</a:t>
+              <a:t> create-react-app my-app</a:t>
             </a:r>
           </a:p>
           <a:p>
